--- a/v2/WinChatty v2 API Diagrams.pptx
+++ b/v2/WinChatty v2 API Diagrams.pptx
@@ -104,6 +104,11 @@
       </a:defRPr>
     </a:lvl9pPr>
   </p:defaultTextStyle>
+  <p:extLst>
+    <p:ext uri="{EFAFB233-063F-42B5-8137-9DF3F51BA10A}">
+      <p15:sldGuideLst xmlns:p15="http://schemas.microsoft.com/office/powerpoint/2012/main"/>
+    </p:ext>
+  </p:extLst>
 </p:presentation>
 </file>
 
@@ -2968,6 +2973,52 @@
       </p:grpSpPr>
       <p:sp>
         <p:nvSpPr>
+          <p:cNvPr id="2" name="Rectangle 1"/>
+          <p:cNvSpPr/>
+          <p:nvPr/>
+        </p:nvSpPr>
+        <p:spPr>
+          <a:xfrm>
+            <a:off x="1303506" y="972766"/>
+            <a:ext cx="7198468" cy="4435813"/>
+          </a:xfrm>
+          <a:prstGeom prst="rect">
+            <a:avLst/>
+          </a:prstGeom>
+          <a:solidFill>
+            <a:schemeClr val="accent1">
+              <a:lumMod val="20000"/>
+              <a:lumOff val="80000"/>
+            </a:schemeClr>
+          </a:solidFill>
+        </p:spPr>
+        <p:style>
+          <a:lnRef idx="2">
+            <a:schemeClr val="accent1">
+              <a:shade val="50000"/>
+            </a:schemeClr>
+          </a:lnRef>
+          <a:fillRef idx="1">
+            <a:schemeClr val="accent1"/>
+          </a:fillRef>
+          <a:effectRef idx="0">
+            <a:schemeClr val="accent1"/>
+          </a:effectRef>
+          <a:fontRef idx="minor">
+            <a:schemeClr val="lt1"/>
+          </a:fontRef>
+        </p:style>
+        <p:txBody>
+          <a:bodyPr rtlCol="0" anchor="ctr"/>
+          <a:lstStyle/>
+          <a:p>
+            <a:pPr algn="ctr"/>
+            <a:endParaRPr lang="en-US"/>
+          </a:p>
+        </p:txBody>
+      </p:sp>
+      <p:sp>
+        <p:nvSpPr>
           <p:cNvPr id="4" name="Rectangle 3"/>
           <p:cNvSpPr/>
           <p:nvPr/>
@@ -3011,19 +3062,21 @@
           <a:p>
             <a:pPr algn="ctr"/>
             <a:r>
-              <a:rPr lang="en-US" dirty="0" smtClean="0">
+              <a:rPr lang="en-US" sz="1600" dirty="0" smtClean="0">
                 <a:solidFill>
                   <a:schemeClr val="tx1"/>
                 </a:solidFill>
-                <a:latin typeface="Cambria" panose="02040503050406030204" pitchFamily="18" charset="0"/>
+                <a:latin typeface="Consolas" panose="020B0609020204030204" pitchFamily="49" charset="0"/>
+                <a:cs typeface="Consolas" panose="020B0609020204030204" pitchFamily="49" charset="0"/>
               </a:rPr>
               <a:t>thread</a:t>
             </a:r>
-            <a:endParaRPr lang="en-US" dirty="0">
+            <a:endParaRPr lang="en-US" sz="1600" dirty="0">
               <a:solidFill>
                 <a:schemeClr val="tx1"/>
               </a:solidFill>
-              <a:latin typeface="Cambria" panose="02040503050406030204" pitchFamily="18" charset="0"/>
+              <a:latin typeface="Consolas" panose="020B0609020204030204" pitchFamily="49" charset="0"/>
+              <a:cs typeface="Consolas" panose="020B0609020204030204" pitchFamily="49" charset="0"/>
             </a:endParaRPr>
           </a:p>
         </p:txBody>
@@ -3073,19 +3126,21 @@
           <a:p>
             <a:pPr algn="ctr"/>
             <a:r>
-              <a:rPr lang="en-US" dirty="0" smtClean="0">
+              <a:rPr lang="en-US" sz="1600" dirty="0" smtClean="0">
                 <a:solidFill>
                   <a:schemeClr val="tx1"/>
                 </a:solidFill>
-                <a:latin typeface="Cambria" panose="02040503050406030204" pitchFamily="18" charset="0"/>
+                <a:latin typeface="Consolas" panose="020B0609020204030204" pitchFamily="49" charset="0"/>
+                <a:cs typeface="Consolas" panose="020B0609020204030204" pitchFamily="49" charset="0"/>
               </a:rPr>
               <a:t>post</a:t>
             </a:r>
-            <a:endParaRPr lang="en-US" dirty="0">
+            <a:endParaRPr lang="en-US" sz="1600" dirty="0">
               <a:solidFill>
                 <a:schemeClr val="tx1"/>
               </a:solidFill>
-              <a:latin typeface="Cambria" panose="02040503050406030204" pitchFamily="18" charset="0"/>
+              <a:latin typeface="Consolas" panose="020B0609020204030204" pitchFamily="49" charset="0"/>
+              <a:cs typeface="Consolas" panose="020B0609020204030204" pitchFamily="49" charset="0"/>
             </a:endParaRPr>
           </a:p>
         </p:txBody>
@@ -3135,19 +3190,21 @@
           <a:p>
             <a:pPr algn="ctr"/>
             <a:r>
-              <a:rPr lang="en-US" dirty="0" err="1" smtClean="0">
+              <a:rPr lang="en-US" sz="1600" dirty="0" err="1" smtClean="0">
                 <a:solidFill>
                   <a:schemeClr val="tx1"/>
                 </a:solidFill>
-                <a:latin typeface="Cambria" panose="02040503050406030204" pitchFamily="18" charset="0"/>
+                <a:latin typeface="Consolas" panose="020B0609020204030204" pitchFamily="49" charset="0"/>
+                <a:cs typeface="Consolas" panose="020B0609020204030204" pitchFamily="49" charset="0"/>
               </a:rPr>
               <a:t>post_index</a:t>
             </a:r>
-            <a:endParaRPr lang="en-US" dirty="0">
+            <a:endParaRPr lang="en-US" sz="1600" dirty="0">
               <a:solidFill>
                 <a:schemeClr val="tx1"/>
               </a:solidFill>
-              <a:latin typeface="Cambria" panose="02040503050406030204" pitchFamily="18" charset="0"/>
+              <a:latin typeface="Consolas" panose="020B0609020204030204" pitchFamily="49" charset="0"/>
+              <a:cs typeface="Consolas" panose="020B0609020204030204" pitchFamily="49" charset="0"/>
             </a:endParaRPr>
           </a:p>
         </p:txBody>
@@ -3197,19 +3254,21 @@
           <a:p>
             <a:pPr algn="ctr"/>
             <a:r>
-              <a:rPr lang="en-US" dirty="0" err="1" smtClean="0">
+              <a:rPr lang="en-US" sz="1600" dirty="0" err="1" smtClean="0">
                 <a:solidFill>
                   <a:schemeClr val="tx1"/>
                 </a:solidFill>
-                <a:latin typeface="Cambria" panose="02040503050406030204" pitchFamily="18" charset="0"/>
+                <a:latin typeface="Consolas" panose="020B0609020204030204" pitchFamily="49" charset="0"/>
+                <a:cs typeface="Consolas" panose="020B0609020204030204" pitchFamily="49" charset="0"/>
               </a:rPr>
               <a:t>nuked_post</a:t>
             </a:r>
-            <a:endParaRPr lang="en-US" dirty="0">
+            <a:endParaRPr lang="en-US" sz="1600" dirty="0">
               <a:solidFill>
                 <a:schemeClr val="tx1"/>
               </a:solidFill>
-              <a:latin typeface="Cambria" panose="02040503050406030204" pitchFamily="18" charset="0"/>
+              <a:latin typeface="Consolas" panose="020B0609020204030204" pitchFamily="49" charset="0"/>
+              <a:cs typeface="Consolas" panose="020B0609020204030204" pitchFamily="49" charset="0"/>
             </a:endParaRPr>
           </a:p>
         </p:txBody>
@@ -3431,7 +3490,7 @@
         <p:spPr>
           <a:xfrm>
             <a:off x="3042083" y="1352143"/>
-            <a:ext cx="5615534" cy="276999"/>
+            <a:ext cx="5352887" cy="276999"/>
           </a:xfrm>
           <a:prstGeom prst="rect">
             <a:avLst/>
@@ -3465,7 +3524,7 @@
         <p:spPr>
           <a:xfrm>
             <a:off x="3042083" y="2494451"/>
-            <a:ext cx="5615534" cy="276999"/>
+            <a:ext cx="5352887" cy="276999"/>
           </a:xfrm>
           <a:prstGeom prst="rect">
             <a:avLst/>
@@ -3499,7 +3558,7 @@
         <p:spPr>
           <a:xfrm>
             <a:off x="3042083" y="3546738"/>
-            <a:ext cx="5615534" cy="461665"/>
+            <a:ext cx="5352887" cy="461665"/>
           </a:xfrm>
           <a:prstGeom prst="rect">
             <a:avLst/>
@@ -3541,7 +3600,7 @@
         <p:spPr>
           <a:xfrm>
             <a:off x="3042083" y="4783691"/>
-            <a:ext cx="5615534" cy="276999"/>
+            <a:ext cx="5352887" cy="276999"/>
           </a:xfrm>
           <a:prstGeom prst="rect">
             <a:avLst/>
